--- a/线程的概念2048.pptx
+++ b/线程的概念2048.pptx
@@ -234,7 +234,7 @@
           <a:p>
             <a:fld id="{F4903107-0A21-4975-BD4E-9E3FA1571653}" type="datetimeFigureOut">
               <a:rPr lang="zh-CN" altLang="en-US" smtClean="0"/>
-              <a:t>2022/10/23</a:t>
+              <a:t>2022/11/2</a:t>
             </a:fld>
             <a:endParaRPr lang="zh-CN" altLang="en-US"/>
           </a:p>
@@ -2609,7 +2609,7 @@
           <a:p>
             <a:fld id="{2E3AAC11-D570-4EA9-AFC0-30FB72BA45EB}" type="datetimeFigureOut">
               <a:rPr lang="zh-CN" altLang="en-US" smtClean="0"/>
-              <a:t>2022/10/23</a:t>
+              <a:t>2022/11/2</a:t>
             </a:fld>
             <a:endParaRPr lang="zh-CN" altLang="en-US"/>
           </a:p>
@@ -2784,7 +2784,7 @@
           <a:p>
             <a:fld id="{3C2DD16D-63B5-4F0E-9AE2-7A8064D55709}" type="datetimeFigureOut">
               <a:rPr lang="zh-CN" altLang="en-US" smtClean="0"/>
-              <a:t>2022/10/23</a:t>
+              <a:t>2022/11/2</a:t>
             </a:fld>
             <a:endParaRPr lang="zh-CN" altLang="en-US"/>
           </a:p>
@@ -2925,7 +2925,7 @@
           <a:p>
             <a:fld id="{3C2DD16D-63B5-4F0E-9AE2-7A8064D55709}" type="datetimeFigureOut">
               <a:rPr lang="zh-CN" altLang="en-US" smtClean="0"/>
-              <a:t>2022/10/23</a:t>
+              <a:t>2022/11/2</a:t>
             </a:fld>
             <a:endParaRPr lang="zh-CN" altLang="en-US"/>
           </a:p>
@@ -3066,7 +3066,7 @@
           <a:p>
             <a:fld id="{3C2DD16D-63B5-4F0E-9AE2-7A8064D55709}" type="datetimeFigureOut">
               <a:rPr lang="zh-CN" altLang="en-US" smtClean="0"/>
-              <a:t>2022/10/23</a:t>
+              <a:t>2022/11/2</a:t>
             </a:fld>
             <a:endParaRPr lang="zh-CN" altLang="en-US"/>
           </a:p>
@@ -3207,7 +3207,7 @@
           <a:p>
             <a:fld id="{3C2DD16D-63B5-4F0E-9AE2-7A8064D55709}" type="datetimeFigureOut">
               <a:rPr lang="zh-CN" altLang="en-US" smtClean="0"/>
-              <a:t>2022/10/23</a:t>
+              <a:t>2022/11/2</a:t>
             </a:fld>
             <a:endParaRPr lang="zh-CN" altLang="en-US"/>
           </a:p>
@@ -3422,7 +3422,7 @@
           <a:p>
             <a:fld id="{3C2DD16D-63B5-4F0E-9AE2-7A8064D55709}" type="datetimeFigureOut">
               <a:rPr lang="zh-CN" altLang="en-US" smtClean="0"/>
-              <a:t>2022/10/23</a:t>
+              <a:t>2022/11/2</a:t>
             </a:fld>
             <a:endParaRPr lang="zh-CN" altLang="en-US"/>
           </a:p>
@@ -3563,7 +3563,7 @@
           <a:p>
             <a:fld id="{3C2DD16D-63B5-4F0E-9AE2-7A8064D55709}" type="datetimeFigureOut">
               <a:rPr lang="zh-CN" altLang="en-US" smtClean="0"/>
-              <a:t>2022/10/23</a:t>
+              <a:t>2022/11/2</a:t>
             </a:fld>
             <a:endParaRPr lang="zh-CN" altLang="en-US"/>
           </a:p>
@@ -3704,7 +3704,7 @@
           <a:p>
             <a:fld id="{3C2DD16D-63B5-4F0E-9AE2-7A8064D55709}" type="datetimeFigureOut">
               <a:rPr lang="zh-CN" altLang="en-US" smtClean="0"/>
-              <a:t>2022/10/23</a:t>
+              <a:t>2022/11/2</a:t>
             </a:fld>
             <a:endParaRPr lang="zh-CN" altLang="en-US"/>
           </a:p>
@@ -3908,7 +3908,7 @@
           <a:p>
             <a:fld id="{2E3AAC11-D570-4EA9-AFC0-30FB72BA45EB}" type="datetimeFigureOut">
               <a:rPr lang="zh-CN" altLang="en-US" smtClean="0"/>
-              <a:t>2022/10/23</a:t>
+              <a:t>2022/11/2</a:t>
             </a:fld>
             <a:endParaRPr lang="zh-CN" altLang="en-US"/>
           </a:p>
@@ -4137,7 +4137,7 @@
           <a:p>
             <a:fld id="{3C2DD16D-63B5-4F0E-9AE2-7A8064D55709}" type="datetimeFigureOut">
               <a:rPr lang="zh-CN" altLang="en-US" smtClean="0"/>
-              <a:t>2022/10/23</a:t>
+              <a:t>2022/11/2</a:t>
             </a:fld>
             <a:endParaRPr lang="zh-CN" altLang="en-US"/>
           </a:p>
@@ -23583,13 +23583,13 @@
   <p:clrMapOvr>
     <a:masterClrMapping/>
   </p:clrMapOvr>
-  <mc:AlternateContent xmlns:mc="http://schemas.openxmlformats.org/markup-compatibility/2006">
-    <mc:Choice xmlns:p14="http://schemas.microsoft.com/office/powerpoint/2010/main" Requires="p14">
+  <mc:AlternateContent xmlns:mc="http://schemas.openxmlformats.org/markup-compatibility/2006" xmlns:p14="http://schemas.microsoft.com/office/powerpoint/2010/main">
+    <mc:Choice Requires="p14">
       <p:transition spd="slow" p14:dur="1250" advTm="0">
         <p:wedge/>
       </p:transition>
     </mc:Choice>
-    <mc:Fallback>
+    <mc:Fallback xmlns="">
       <p:transition spd="slow" advTm="0">
         <p:wedge/>
       </p:transition>
@@ -48532,7 +48532,7 @@
         </p:nvSpPr>
         <p:spPr>
           <a:xfrm>
-            <a:off x="402609" y="839337"/>
+            <a:off x="402609" y="1652267"/>
             <a:ext cx="8503266" cy="1838965"/>
           </a:xfrm>
           <a:prstGeom prst="rect">
@@ -48606,6 +48606,58 @@
               <a:rPr lang="zh-CN" altLang="en-US" dirty="0"/>
             </a:br>
             <a:endParaRPr lang="zh-CN" altLang="en-US" dirty="0"/>
+          </a:p>
+        </p:txBody>
+      </p:sp>
+      <p:sp>
+        <p:nvSpPr>
+          <p:cNvPr id="2" name="文本框 1">
+            <a:extLst>
+              <a:ext uri="{FF2B5EF4-FFF2-40B4-BE49-F238E27FC236}">
+                <a16:creationId xmlns:a16="http://schemas.microsoft.com/office/drawing/2014/main" id="{5B42FCAA-DDD2-2D43-4680-800E9BB71A6A}"/>
+              </a:ext>
+            </a:extLst>
+          </p:cNvPr>
+          <p:cNvSpPr txBox="1"/>
+          <p:nvPr/>
+        </p:nvSpPr>
+        <p:spPr>
+          <a:xfrm>
+            <a:off x="402609" y="897293"/>
+            <a:ext cx="5991367" cy="461665"/>
+          </a:xfrm>
+          <a:prstGeom prst="rect">
+            <a:avLst/>
+          </a:prstGeom>
+          <a:noFill/>
+        </p:spPr>
+        <p:txBody>
+          <a:bodyPr wrap="square" rtlCol="0">
+            <a:spAutoFit/>
+          </a:bodyPr>
+          <a:lstStyle/>
+          <a:p>
+            <a:r>
+              <a:rPr lang="zh-CN" altLang="en-US" sz="2400" dirty="0">
+                <a:solidFill>
+                  <a:schemeClr val="bg1"/>
+                </a:solidFill>
+              </a:rPr>
+              <a:t>进程与线程有什么区别呢</a:t>
+            </a:r>
+            <a:r>
+              <a:rPr lang="en-US" altLang="zh-CN" sz="2400" dirty="0">
+                <a:solidFill>
+                  <a:schemeClr val="bg1"/>
+                </a:solidFill>
+              </a:rPr>
+              <a:t>?</a:t>
+            </a:r>
+            <a:endParaRPr lang="zh-CN" altLang="en-US" sz="2400" dirty="0">
+              <a:solidFill>
+                <a:schemeClr val="bg1"/>
+              </a:solidFill>
+            </a:endParaRPr>
           </a:p>
         </p:txBody>
       </p:sp>
